--- a/eslab_final_report.pptx
+++ b/eslab_final_report.pptx
@@ -24,6 +24,7 @@
     <p:sldId id="268" r:id="rId19"/>
     <p:sldId id="269" r:id="rId20"/>
     <p:sldId id="270" r:id="rId21"/>
+    <p:sldId id="271" r:id="rId22"/>
   </p:sldIdLst>
   <p:sldSz cy="5143500" cx="9144000"/>
   <p:notesSz cx="6858000" cy="9144000"/>
@@ -1102,7 +1103,7 @@
   <p:cSld>
     <p:spTree>
       <p:nvGrpSpPr>
-        <p:cNvPr id="199" name="Shape 199"/>
+        <p:cNvPr id="200" name="Shape 200"/>
         <p:cNvGrpSpPr/>
         <p:nvPr/>
       </p:nvGrpSpPr>
@@ -1116,7 +1117,7 @@
       </p:grpSpPr>
       <p:sp>
         <p:nvSpPr>
-          <p:cNvPr id="200" name="Google Shape;200;gae0287ef73_0_15:notes"/>
+          <p:cNvPr id="201" name="Google Shape;201;gae0287ef73_0_15:notes"/>
           <p:cNvSpPr/>
           <p:nvPr>
             <p:ph idx="2" type="sldImg"/>
@@ -1151,7 +1152,7 @@
       </p:sp>
       <p:sp>
         <p:nvSpPr>
-          <p:cNvPr id="201" name="Google Shape;201;gae0287ef73_0_15:notes"/>
+          <p:cNvPr id="202" name="Google Shape;202;gae0287ef73_0_15:notes"/>
           <p:cNvSpPr txBox="1"/>
           <p:nvPr>
             <p:ph idx="1" type="body"/>
@@ -1201,7 +1202,7 @@
   <p:cSld>
     <p:spTree>
       <p:nvGrpSpPr>
-        <p:cNvPr id="206" name="Shape 206"/>
+        <p:cNvPr id="207" name="Shape 207"/>
         <p:cNvGrpSpPr/>
         <p:nvPr/>
       </p:nvGrpSpPr>
@@ -1215,7 +1216,7 @@
       </p:grpSpPr>
       <p:sp>
         <p:nvSpPr>
-          <p:cNvPr id="207" name="Google Shape;207;gae0287ef73_0_8:notes"/>
+          <p:cNvPr id="208" name="Google Shape;208;gae0287ef73_0_8:notes"/>
           <p:cNvSpPr/>
           <p:nvPr>
             <p:ph idx="2" type="sldImg"/>
@@ -1250,7 +1251,7 @@
       </p:sp>
       <p:sp>
         <p:nvSpPr>
-          <p:cNvPr id="208" name="Google Shape;208;gae0287ef73_0_8:notes"/>
+          <p:cNvPr id="209" name="Google Shape;209;gae0287ef73_0_8:notes"/>
           <p:cNvSpPr txBox="1"/>
           <p:nvPr>
             <p:ph idx="1" type="body"/>
@@ -1300,7 +1301,7 @@
   <p:cSld>
     <p:spTree>
       <p:nvGrpSpPr>
-        <p:cNvPr id="213" name="Shape 213"/>
+        <p:cNvPr id="214" name="Shape 214"/>
         <p:cNvGrpSpPr/>
         <p:nvPr/>
       </p:nvGrpSpPr>
@@ -1314,7 +1315,7 @@
       </p:grpSpPr>
       <p:sp>
         <p:nvSpPr>
-          <p:cNvPr id="214" name="Google Shape;214;gb638abbe82_1_71:notes"/>
+          <p:cNvPr id="215" name="Google Shape;215;gb638abbe82_1_71:notes"/>
           <p:cNvSpPr txBox="1"/>
           <p:nvPr>
             <p:ph idx="1" type="body"/>
@@ -1353,7 +1354,7 @@
       </p:sp>
       <p:sp>
         <p:nvSpPr>
-          <p:cNvPr id="215" name="Google Shape;215;gb638abbe82_1_71:notes"/>
+          <p:cNvPr id="216" name="Google Shape;216;gb638abbe82_1_71:notes"/>
           <p:cNvSpPr/>
           <p:nvPr>
             <p:ph idx="2" type="sldImg"/>
@@ -1385,6 +1386,105 @@
             </a:pathLst>
           </a:custGeom>
         </p:spPr>
+      </p:sp>
+    </p:spTree>
+  </p:cSld>
+  <p:clrMapOvr>
+    <a:masterClrMapping/>
+  </p:clrMapOvr>
+</p:notes>
+</file>
+
+<file path=ppt/notesSlides/notesSlide16.xml><?xml version="1.0" encoding="utf-8"?>
+<p:notes xmlns:a="http://schemas.openxmlformats.org/drawingml/2006/main" xmlns:r="http://schemas.openxmlformats.org/officeDocument/2006/relationships" xmlns:mc="http://schemas.openxmlformats.org/markup-compatibility/2006" xmlns:mv="urn:schemas-microsoft-com:mac:vml" xmlns:p="http://schemas.openxmlformats.org/presentationml/2006/main" xmlns:c="http://schemas.openxmlformats.org/drawingml/2006/chart" xmlns:dgm="http://schemas.openxmlformats.org/drawingml/2006/diagram" xmlns:o="urn:schemas-microsoft-com:office:office" xmlns:v="urn:schemas-microsoft-com:vml" xmlns:pvml="urn:schemas-microsoft-com:office:powerpoint" xmlns:com="http://schemas.openxmlformats.org/drawingml/2006/compatibility" xmlns:p14="http://schemas.microsoft.com/office/powerpoint/2010/main" xmlns:p15="http://schemas.microsoft.com/office/powerpoint/2012/main" xmlns:ahyp="http://schemas.microsoft.com/office/drawing/2018/hyperlinkcolor" showMasterPhAnim="0" showMasterSp="0">
+  <p:cSld>
+    <p:spTree>
+      <p:nvGrpSpPr>
+        <p:cNvPr id="220" name="Shape 220"/>
+        <p:cNvGrpSpPr/>
+        <p:nvPr/>
+      </p:nvGrpSpPr>
+      <p:grpSpPr>
+        <a:xfrm>
+          <a:off x="0" y="0"/>
+          <a:ext cx="0" cy="0"/>
+          <a:chOff x="0" y="0"/>
+          <a:chExt cx="0" cy="0"/>
+        </a:xfrm>
+      </p:grpSpPr>
+      <p:sp>
+        <p:nvSpPr>
+          <p:cNvPr id="221" name="Google Shape;221;gb638abbe82_10_0:notes"/>
+          <p:cNvSpPr/>
+          <p:nvPr>
+            <p:ph idx="2" type="sldImg"/>
+          </p:nvPr>
+        </p:nvSpPr>
+        <p:spPr>
+          <a:xfrm>
+            <a:off x="381300" y="685800"/>
+            <a:ext cx="6096000" cy="3429000"/>
+          </a:xfrm>
+          <a:custGeom>
+            <a:rect b="b" l="l" r="r" t="t"/>
+            <a:pathLst>
+              <a:path extrusionOk="0" h="120000" w="120000">
+                <a:moveTo>
+                  <a:pt x="0" y="0"/>
+                </a:moveTo>
+                <a:lnTo>
+                  <a:pt x="120000" y="0"/>
+                </a:lnTo>
+                <a:lnTo>
+                  <a:pt x="120000" y="120000"/>
+                </a:lnTo>
+                <a:lnTo>
+                  <a:pt x="0" y="120000"/>
+                </a:lnTo>
+                <a:close/>
+              </a:path>
+            </a:pathLst>
+          </a:custGeom>
+        </p:spPr>
+      </p:sp>
+      <p:sp>
+        <p:nvSpPr>
+          <p:cNvPr id="222" name="Google Shape;222;gb638abbe82_10_0:notes"/>
+          <p:cNvSpPr txBox="1"/>
+          <p:nvPr>
+            <p:ph idx="1" type="body"/>
+          </p:nvPr>
+        </p:nvSpPr>
+        <p:spPr>
+          <a:xfrm>
+            <a:off x="685800" y="4343400"/>
+            <a:ext cx="5486400" cy="4114800"/>
+          </a:xfrm>
+          <a:prstGeom prst="rect">
+            <a:avLst/>
+          </a:prstGeom>
+        </p:spPr>
+        <p:txBody>
+          <a:bodyPr anchorCtr="0" anchor="t" bIns="91425" lIns="91425" spcFirstLastPara="1" rIns="91425" wrap="square" tIns="91425">
+            <a:noAutofit/>
+          </a:bodyPr>
+          <a:lstStyle/>
+          <a:p>
+            <a:pPr indent="0" lvl="0" marL="0" rtl="0" algn="l">
+              <a:spcBef>
+                <a:spcPts val="0"/>
+              </a:spcBef>
+              <a:spcAft>
+                <a:spcPts val="0"/>
+              </a:spcAft>
+              <a:buNone/>
+            </a:pPr>
+            <a:r>
+              <a:t/>
+            </a:r>
+            <a:endParaRPr/>
+          </a:p>
+        </p:txBody>
       </p:sp>
     </p:spTree>
   </p:cSld>
@@ -14868,7 +14968,7 @@
         <p:spPr>
           <a:xfrm>
             <a:off x="311700" y="1152475"/>
-            <a:ext cx="8520600" cy="442200"/>
+            <a:ext cx="2903100" cy="1487400"/>
           </a:xfrm>
           <a:prstGeom prst="rect">
             <a:avLst/>
@@ -14890,10 +14990,18 @@
               <a:buNone/>
             </a:pPr>
             <a:r>
-              <a:rPr lang="zh-TW"/>
+              <a:rPr lang="zh-TW">
+                <a:solidFill>
+                  <a:srgbClr val="666666"/>
+                </a:solidFill>
+              </a:rPr>
               <a:t>judgement of too near or too long</a:t>
             </a:r>
-            <a:endParaRPr/>
+            <a:endParaRPr>
+              <a:solidFill>
+                <a:srgbClr val="666666"/>
+              </a:solidFill>
+            </a:endParaRPr>
           </a:p>
         </p:txBody>
       </p:sp>
@@ -15120,10 +15228,18 @@
               <a:buNone/>
             </a:pPr>
             <a:r>
-              <a:rPr lang="zh-TW"/>
+              <a:rPr lang="zh-TW">
+                <a:solidFill>
+                  <a:srgbClr val="666666"/>
+                </a:solidFill>
+              </a:rPr>
               <a:t>Set 10000 if no signal detected</a:t>
             </a:r>
-            <a:endParaRPr/>
+            <a:endParaRPr>
+              <a:solidFill>
+                <a:srgbClr val="666666"/>
+              </a:solidFill>
+            </a:endParaRPr>
           </a:p>
           <a:p>
             <a:pPr indent="0" lvl="0" marL="114300" rtl="0" algn="just">
@@ -15140,10 +15256,18 @@
               <a:buNone/>
             </a:pPr>
             <a:r>
-              <a:rPr lang="zh-TW"/>
+              <a:rPr lang="zh-TW">
+                <a:solidFill>
+                  <a:srgbClr val="666666"/>
+                </a:solidFill>
+              </a:rPr>
               <a:t>Once the distance changes, send new data</a:t>
             </a:r>
-            <a:endParaRPr/>
+            <a:endParaRPr>
+              <a:solidFill>
+                <a:srgbClr val="666666"/>
+              </a:solidFill>
+            </a:endParaRPr>
           </a:p>
         </p:txBody>
       </p:sp>
@@ -15232,14 +15356,26 @@
               <a:buNone/>
             </a:pPr>
             <a:r>
-              <a:rPr lang="zh-TW"/>
+              <a:rPr lang="zh-TW">
+                <a:solidFill>
+                  <a:srgbClr val="000000"/>
+                </a:solidFill>
+              </a:rPr>
               <a:t>Demo: proper </a:t>
             </a:r>
             <a:r>
-              <a:rPr lang="zh-TW"/>
+              <a:rPr lang="zh-TW">
+                <a:solidFill>
+                  <a:srgbClr val="000000"/>
+                </a:solidFill>
+              </a:rPr>
               <a:t>posture</a:t>
             </a:r>
-            <a:endParaRPr/>
+            <a:endParaRPr>
+              <a:solidFill>
+                <a:srgbClr val="000000"/>
+              </a:solidFill>
+            </a:endParaRPr>
           </a:p>
           <a:p>
             <a:pPr indent="0" lvl="0" marL="0" rtl="0" algn="l">
@@ -15258,9 +15394,57 @@
           </a:p>
         </p:txBody>
       </p:sp>
+      <p:sp>
+        <p:nvSpPr>
+          <p:cNvPr id="198" name="Google Shape;198;p36"/>
+          <p:cNvSpPr txBox="1"/>
+          <p:nvPr>
+            <p:ph idx="1" type="body"/>
+          </p:nvPr>
+        </p:nvSpPr>
+        <p:spPr>
+          <a:xfrm>
+            <a:off x="311700" y="1152475"/>
+            <a:ext cx="8520600" cy="3416400"/>
+          </a:xfrm>
+          <a:prstGeom prst="rect">
+            <a:avLst/>
+          </a:prstGeom>
+        </p:spPr>
+        <p:txBody>
+          <a:bodyPr anchorCtr="0" anchor="t" bIns="91425" lIns="91425" spcFirstLastPara="1" rIns="91425" wrap="square" tIns="91425">
+            <a:noAutofit/>
+          </a:bodyPr>
+          <a:lstStyle/>
+          <a:p>
+            <a:pPr indent="0" lvl="0" marL="0" rtl="0" algn="l">
+              <a:spcBef>
+                <a:spcPts val="0"/>
+              </a:spcBef>
+              <a:spcAft>
+                <a:spcPts val="1600"/>
+              </a:spcAft>
+              <a:buNone/>
+            </a:pPr>
+            <a:r>
+              <a:rPr lang="zh-TW">
+                <a:solidFill>
+                  <a:srgbClr val="666666"/>
+                </a:solidFill>
+              </a:rPr>
+              <a:t>https://youtu.be/_5SVkgfkps0</a:t>
+            </a:r>
+            <a:endParaRPr>
+              <a:solidFill>
+                <a:srgbClr val="666666"/>
+              </a:solidFill>
+            </a:endParaRPr>
+          </a:p>
+        </p:txBody>
+      </p:sp>
       <p:pic>
         <p:nvPicPr>
-          <p:cNvPr id="198" name="Google Shape;198;p36" title="IMG_4558.MOV">
+          <p:cNvPr id="199" name="Google Shape;199;p36" title="GRD cultivator: proper posture">
             <a:hlinkClick r:id="rId3"/>
           </p:cNvPr>
           <p:cNvPicPr preferRelativeResize="0"/>
@@ -15276,8 +15460,8 @@
         </p:blipFill>
         <p:spPr>
           <a:xfrm>
-            <a:off x="311700" y="1146175"/>
-            <a:ext cx="5329766" cy="3997325"/>
+            <a:off x="311700" y="1714500"/>
+            <a:ext cx="4572000" cy="3429000"/>
           </a:xfrm>
           <a:prstGeom prst="rect">
             <a:avLst/>
@@ -15327,7 +15511,7 @@
                                           </p:stCondLst>
                                         </p:cTn>
                                         <p:tgtEl>
-                                          <p:spTgt spid="198"/>
+                                          <p:spTgt spid="199"/>
                                         </p:tgtEl>
                                         <p:attrNameLst>
                                           <p:attrName>style.visibility</p:attrName>
@@ -15341,7 +15525,7 @@
                                       <p:cBhvr>
                                         <p:cTn dur="1000"/>
                                         <p:tgtEl>
-                                          <p:spTgt spid="198"/>
+                                          <p:spTgt spid="199"/>
                                         </p:tgtEl>
                                       </p:cBhvr>
                                     </p:animEffect>
@@ -15384,7 +15568,7 @@
   <p:cSld>
     <p:spTree>
       <p:nvGrpSpPr>
-        <p:cNvPr id="202" name="Shape 202"/>
+        <p:cNvPr id="203" name="Shape 203"/>
         <p:cNvGrpSpPr/>
         <p:nvPr/>
       </p:nvGrpSpPr>
@@ -15398,7 +15582,7 @@
       </p:grpSpPr>
       <p:sp>
         <p:nvSpPr>
-          <p:cNvPr id="203" name="Google Shape;203;p37"/>
+          <p:cNvPr id="204" name="Google Shape;204;p37"/>
           <p:cNvSpPr txBox="1"/>
           <p:nvPr>
             <p:ph type="title"/>
@@ -15429,14 +15613,26 @@
               <a:buNone/>
             </a:pPr>
             <a:r>
-              <a:rPr lang="zh-TW"/>
+              <a:rPr lang="zh-TW">
+                <a:solidFill>
+                  <a:srgbClr val="000000"/>
+                </a:solidFill>
+              </a:rPr>
               <a:t>Demo: </a:t>
             </a:r>
             <a:r>
-              <a:rPr lang="zh-TW"/>
+              <a:rPr lang="zh-TW">
+                <a:solidFill>
+                  <a:srgbClr val="000000"/>
+                </a:solidFill>
+              </a:rPr>
               <a:t>reading too near</a:t>
             </a:r>
-            <a:endParaRPr/>
+            <a:endParaRPr>
+              <a:solidFill>
+                <a:srgbClr val="000000"/>
+              </a:solidFill>
+            </a:endParaRPr>
           </a:p>
           <a:p>
             <a:pPr indent="0" lvl="0" marL="0" rtl="0" algn="l">
@@ -15457,7 +15653,7 @@
       </p:sp>
       <p:sp>
         <p:nvSpPr>
-          <p:cNvPr id="204" name="Google Shape;204;p37"/>
+          <p:cNvPr id="205" name="Google Shape;205;p37"/>
           <p:cNvSpPr txBox="1"/>
           <p:nvPr>
             <p:ph idx="1" type="body"/>
@@ -15488,15 +15684,24 @@
               <a:buNone/>
             </a:pPr>
             <a:r>
-              <a:t/>
+              <a:rPr lang="zh-TW">
+                <a:solidFill>
+                  <a:srgbClr val="434343"/>
+                </a:solidFill>
+              </a:rPr>
+              <a:t>https://youtu.be/xJ9MZhZMEdM</a:t>
             </a:r>
-            <a:endParaRPr/>
+            <a:endParaRPr>
+              <a:solidFill>
+                <a:srgbClr val="434343"/>
+              </a:solidFill>
+            </a:endParaRPr>
           </a:p>
         </p:txBody>
       </p:sp>
       <p:pic>
         <p:nvPicPr>
-          <p:cNvPr id="205" name="Google Shape;205;p37" title="IMG_4568.MOV">
+          <p:cNvPr id="206" name="Google Shape;206;p37" title="GRD cultivator: reading too near">
             <a:hlinkClick r:id="rId3"/>
           </p:cNvPr>
           <p:cNvPicPr preferRelativeResize="0"/>
@@ -15512,8 +15717,8 @@
         </p:blipFill>
         <p:spPr>
           <a:xfrm>
-            <a:off x="259400" y="1146175"/>
-            <a:ext cx="5329766" cy="3997325"/>
+            <a:off x="311700" y="1714500"/>
+            <a:ext cx="4572000" cy="3429000"/>
           </a:xfrm>
           <a:prstGeom prst="rect">
             <a:avLst/>
@@ -15563,7 +15768,7 @@
                                           </p:stCondLst>
                                         </p:cTn>
                                         <p:tgtEl>
-                                          <p:spTgt spid="205"/>
+                                          <p:spTgt spid="206"/>
                                         </p:tgtEl>
                                         <p:attrNameLst>
                                           <p:attrName>style.visibility</p:attrName>
@@ -15577,7 +15782,7 @@
                                       <p:cBhvr>
                                         <p:cTn dur="1000"/>
                                         <p:tgtEl>
-                                          <p:spTgt spid="205"/>
+                                          <p:spTgt spid="206"/>
                                         </p:tgtEl>
                                       </p:cBhvr>
                                     </p:animEffect>
@@ -15620,7 +15825,7 @@
   <p:cSld>
     <p:spTree>
       <p:nvGrpSpPr>
-        <p:cNvPr id="209" name="Shape 209"/>
+        <p:cNvPr id="210" name="Shape 210"/>
         <p:cNvGrpSpPr/>
         <p:nvPr/>
       </p:nvGrpSpPr>
@@ -15634,7 +15839,7 @@
       </p:grpSpPr>
       <p:sp>
         <p:nvSpPr>
-          <p:cNvPr id="210" name="Google Shape;210;p38"/>
+          <p:cNvPr id="211" name="Google Shape;211;p38"/>
           <p:cNvSpPr txBox="1"/>
           <p:nvPr>
             <p:ph type="title"/>
@@ -15665,10 +15870,18 @@
               <a:buNone/>
             </a:pPr>
             <a:r>
-              <a:rPr lang="zh-TW"/>
+              <a:rPr lang="zh-TW">
+                <a:solidFill>
+                  <a:srgbClr val="000000"/>
+                </a:solidFill>
+              </a:rPr>
               <a:t>Demo: reading too long</a:t>
             </a:r>
-            <a:endParaRPr/>
+            <a:endParaRPr>
+              <a:solidFill>
+                <a:srgbClr val="000000"/>
+              </a:solidFill>
+            </a:endParaRPr>
           </a:p>
           <a:p>
             <a:pPr indent="0" lvl="0" marL="0" rtl="0" algn="l">
@@ -15689,7 +15902,7 @@
       </p:sp>
       <p:sp>
         <p:nvSpPr>
-          <p:cNvPr id="211" name="Google Shape;211;p38"/>
+          <p:cNvPr id="212" name="Google Shape;212;p38"/>
           <p:cNvSpPr txBox="1"/>
           <p:nvPr>
             <p:ph idx="1" type="body"/>
@@ -15720,15 +15933,24 @@
               <a:buNone/>
             </a:pPr>
             <a:r>
-              <a:t/>
+              <a:rPr lang="zh-TW">
+                <a:solidFill>
+                  <a:srgbClr val="666666"/>
+                </a:solidFill>
+              </a:rPr>
+              <a:t>https://youtu.be/fguUoNTII1U</a:t>
             </a:r>
-            <a:endParaRPr/>
+            <a:endParaRPr>
+              <a:solidFill>
+                <a:srgbClr val="666666"/>
+              </a:solidFill>
+            </a:endParaRPr>
           </a:p>
         </p:txBody>
       </p:sp>
       <p:pic>
         <p:nvPicPr>
-          <p:cNvPr id="212" name="Google Shape;212;p38" title="IMG_4569.MOV">
+          <p:cNvPr id="213" name="Google Shape;213;p38" title="GRD cultivator: reading too long">
             <a:hlinkClick r:id="rId3"/>
           </p:cNvPr>
           <p:cNvPicPr preferRelativeResize="0"/>
@@ -15744,8 +15966,8 @@
         </p:blipFill>
         <p:spPr>
           <a:xfrm>
-            <a:off x="311700" y="1146175"/>
-            <a:ext cx="5329766" cy="3997325"/>
+            <a:off x="311700" y="1714500"/>
+            <a:ext cx="4572000" cy="3429000"/>
           </a:xfrm>
           <a:prstGeom prst="rect">
             <a:avLst/>
@@ -15795,7 +16017,7 @@
                                           </p:stCondLst>
                                         </p:cTn>
                                         <p:tgtEl>
-                                          <p:spTgt spid="212"/>
+                                          <p:spTgt spid="213"/>
                                         </p:tgtEl>
                                         <p:attrNameLst>
                                           <p:attrName>style.visibility</p:attrName>
@@ -15809,7 +16031,7 @@
                                       <p:cBhvr>
                                         <p:cTn dur="1000"/>
                                         <p:tgtEl>
-                                          <p:spTgt spid="212"/>
+                                          <p:spTgt spid="213"/>
                                         </p:tgtEl>
                                       </p:cBhvr>
                                     </p:animEffect>
@@ -15852,7 +16074,7 @@
   <p:cSld>
     <p:spTree>
       <p:nvGrpSpPr>
-        <p:cNvPr id="216" name="Shape 216"/>
+        <p:cNvPr id="217" name="Shape 217"/>
         <p:cNvGrpSpPr/>
         <p:nvPr/>
       </p:nvGrpSpPr>
@@ -15866,7 +16088,7 @@
       </p:grpSpPr>
       <p:sp>
         <p:nvSpPr>
-          <p:cNvPr id="217" name="Google Shape;217;p39"/>
+          <p:cNvPr id="218" name="Google Shape;218;p39"/>
           <p:cNvSpPr txBox="1"/>
           <p:nvPr>
             <p:ph type="title"/>
@@ -15922,7 +16144,7 @@
       </p:sp>
       <p:sp>
         <p:nvSpPr>
-          <p:cNvPr id="218" name="Google Shape;218;p39"/>
+          <p:cNvPr id="219" name="Google Shape;219;p39"/>
           <p:cNvSpPr txBox="1"/>
           <p:nvPr>
             <p:ph idx="1" type="body"/>
@@ -15957,14 +16179,25 @@
               <a:spcAft>
                 <a:spcPts val="0"/>
               </a:spcAft>
+              <a:buClr>
+                <a:srgbClr val="666666"/>
+              </a:buClr>
               <a:buSzPts val="1800"/>
               <a:buChar char="●"/>
             </a:pPr>
             <a:r>
-              <a:rPr lang="zh-TW"/>
+              <a:rPr lang="zh-TW">
+                <a:solidFill>
+                  <a:srgbClr val="666666"/>
+                </a:solidFill>
+              </a:rPr>
               <a:t>李達緯</a:t>
             </a:r>
-            <a:endParaRPr/>
+            <a:endParaRPr>
+              <a:solidFill>
+                <a:srgbClr val="666666"/>
+              </a:solidFill>
+            </a:endParaRPr>
           </a:p>
           <a:p>
             <a:pPr indent="-317500" lvl="1" marL="914400" rtl="0" algn="l">
@@ -15977,15 +16210,26 @@
               <a:spcAft>
                 <a:spcPts val="0"/>
               </a:spcAft>
+              <a:buClr>
+                <a:srgbClr val="666666"/>
+              </a:buClr>
               <a:buSzPts val="1400"/>
               <a:buFont typeface="Noto Sans Symbols"/>
               <a:buChar char="◆"/>
             </a:pPr>
             <a:r>
-              <a:rPr lang="zh-TW"/>
+              <a:rPr lang="zh-TW">
+                <a:solidFill>
+                  <a:srgbClr val="666666"/>
+                </a:solidFill>
+              </a:rPr>
               <a:t>Python data processing</a:t>
             </a:r>
-            <a:endParaRPr/>
+            <a:endParaRPr>
+              <a:solidFill>
+                <a:srgbClr val="666666"/>
+              </a:solidFill>
+            </a:endParaRPr>
           </a:p>
           <a:p>
             <a:pPr indent="-317500" lvl="1" marL="914400" rtl="0" algn="l">
@@ -15998,15 +16242,26 @@
               <a:spcAft>
                 <a:spcPts val="0"/>
               </a:spcAft>
+              <a:buClr>
+                <a:srgbClr val="666666"/>
+              </a:buClr>
               <a:buSzPts val="1400"/>
               <a:buFont typeface="Noto Sans Symbols"/>
               <a:buChar char="◆"/>
             </a:pPr>
             <a:r>
-              <a:rPr lang="zh-TW"/>
+              <a:rPr lang="zh-TW">
+                <a:solidFill>
+                  <a:srgbClr val="666666"/>
+                </a:solidFill>
+              </a:rPr>
               <a:t>Websocket implementation</a:t>
             </a:r>
-            <a:endParaRPr/>
+            <a:endParaRPr>
+              <a:solidFill>
+                <a:srgbClr val="666666"/>
+              </a:solidFill>
+            </a:endParaRPr>
           </a:p>
           <a:p>
             <a:pPr indent="-317500" lvl="1" marL="914400" rtl="0" algn="l">
@@ -16019,15 +16274,26 @@
               <a:spcAft>
                 <a:spcPts val="0"/>
               </a:spcAft>
+              <a:buClr>
+                <a:srgbClr val="666666"/>
+              </a:buClr>
               <a:buSzPts val="1400"/>
               <a:buFont typeface="Noto Sans Symbols"/>
               <a:buChar char="◆"/>
             </a:pPr>
             <a:r>
-              <a:rPr lang="zh-TW"/>
+              <a:rPr lang="zh-TW">
+                <a:solidFill>
+                  <a:srgbClr val="666666"/>
+                </a:solidFill>
+              </a:rPr>
               <a:t>Report</a:t>
             </a:r>
-            <a:endParaRPr/>
+            <a:endParaRPr>
+              <a:solidFill>
+                <a:srgbClr val="666666"/>
+              </a:solidFill>
+            </a:endParaRPr>
           </a:p>
           <a:p>
             <a:pPr indent="-342900" lvl="0" marL="457200" rtl="0" algn="l">
@@ -16040,14 +16306,25 @@
               <a:spcAft>
                 <a:spcPts val="0"/>
               </a:spcAft>
+              <a:buClr>
+                <a:srgbClr val="666666"/>
+              </a:buClr>
               <a:buSzPts val="1800"/>
               <a:buChar char="●"/>
             </a:pPr>
             <a:r>
-              <a:rPr lang="zh-TW"/>
+              <a:rPr lang="zh-TW">
+                <a:solidFill>
+                  <a:srgbClr val="666666"/>
+                </a:solidFill>
+              </a:rPr>
               <a:t>周光照</a:t>
             </a:r>
-            <a:endParaRPr/>
+            <a:endParaRPr>
+              <a:solidFill>
+                <a:srgbClr val="666666"/>
+              </a:solidFill>
+            </a:endParaRPr>
           </a:p>
           <a:p>
             <a:pPr indent="-317500" lvl="1" marL="914400" rtl="0" algn="l">
@@ -16060,15 +16337,26 @@
               <a:spcAft>
                 <a:spcPts val="0"/>
               </a:spcAft>
+              <a:buClr>
+                <a:srgbClr val="666666"/>
+              </a:buClr>
               <a:buSzPts val="1400"/>
               <a:buFont typeface="Noto Sans Symbols"/>
               <a:buChar char="◆"/>
             </a:pPr>
             <a:r>
-              <a:rPr lang="zh-TW"/>
+              <a:rPr lang="zh-TW">
+                <a:solidFill>
+                  <a:srgbClr val="666666"/>
+                </a:solidFill>
+              </a:rPr>
               <a:t>Mbed ranging sensor enablement</a:t>
             </a:r>
-            <a:endParaRPr/>
+            <a:endParaRPr>
+              <a:solidFill>
+                <a:srgbClr val="666666"/>
+              </a:solidFill>
+            </a:endParaRPr>
           </a:p>
           <a:p>
             <a:pPr indent="-317500" lvl="1" marL="914400" rtl="0" algn="l">
@@ -16081,15 +16369,26 @@
               <a:spcAft>
                 <a:spcPts val="0"/>
               </a:spcAft>
+              <a:buClr>
+                <a:srgbClr val="666666"/>
+              </a:buClr>
               <a:buSzPts val="1400"/>
               <a:buFont typeface="Noto Sans Symbols"/>
               <a:buChar char="◆"/>
             </a:pPr>
             <a:r>
-              <a:rPr lang="zh-TW"/>
+              <a:rPr lang="zh-TW">
+                <a:solidFill>
+                  <a:srgbClr val="666666"/>
+                </a:solidFill>
+              </a:rPr>
               <a:t>BLE server broadcast</a:t>
             </a:r>
-            <a:endParaRPr/>
+            <a:endParaRPr>
+              <a:solidFill>
+                <a:srgbClr val="666666"/>
+              </a:solidFill>
+            </a:endParaRPr>
           </a:p>
           <a:p>
             <a:pPr indent="-317500" lvl="1" marL="914400" rtl="0" algn="l">
@@ -16102,15 +16401,26 @@
               <a:spcAft>
                 <a:spcPts val="0"/>
               </a:spcAft>
+              <a:buClr>
+                <a:srgbClr val="666666"/>
+              </a:buClr>
               <a:buSzPts val="1400"/>
               <a:buFont typeface="Noto Sans Symbols"/>
               <a:buChar char="◆"/>
             </a:pPr>
             <a:r>
-              <a:rPr lang="zh-TW"/>
+              <a:rPr lang="zh-TW">
+                <a:solidFill>
+                  <a:srgbClr val="666666"/>
+                </a:solidFill>
+              </a:rPr>
               <a:t>Web design</a:t>
             </a:r>
-            <a:endParaRPr/>
+            <a:endParaRPr>
+              <a:solidFill>
+                <a:srgbClr val="666666"/>
+              </a:solidFill>
+            </a:endParaRPr>
           </a:p>
           <a:p>
             <a:pPr indent="-228600" lvl="1" marL="914400" rtl="0" algn="l">
@@ -16130,7 +16440,11 @@
             <a:r>
               <a:t/>
             </a:r>
-            <a:endParaRPr/>
+            <a:endParaRPr>
+              <a:solidFill>
+                <a:srgbClr val="666666"/>
+              </a:solidFill>
+            </a:endParaRPr>
           </a:p>
           <a:p>
             <a:pPr indent="0" lvl="0" marL="114300" rtl="0" algn="l">
@@ -16149,7 +16463,11 @@
             <a:r>
               <a:t/>
             </a:r>
-            <a:endParaRPr/>
+            <a:endParaRPr>
+              <a:solidFill>
+                <a:srgbClr val="666666"/>
+              </a:solidFill>
+            </a:endParaRPr>
           </a:p>
           <a:p>
             <a:pPr indent="-228600" lvl="0" marL="457200" rtl="0" algn="l">
@@ -16168,7 +16486,124 @@
             <a:r>
               <a:t/>
             </a:r>
-            <a:endParaRPr/>
+            <a:endParaRPr>
+              <a:solidFill>
+                <a:srgbClr val="666666"/>
+              </a:solidFill>
+            </a:endParaRPr>
+          </a:p>
+        </p:txBody>
+      </p:sp>
+    </p:spTree>
+  </p:cSld>
+  <p:clrMapOvr>
+    <a:masterClrMapping/>
+  </p:clrMapOvr>
+</p:sld>
+</file>
+
+<file path=ppt/slides/slide16.xml><?xml version="1.0" encoding="utf-8"?>
+<p:sld xmlns:a="http://schemas.openxmlformats.org/drawingml/2006/main" xmlns:r="http://schemas.openxmlformats.org/officeDocument/2006/relationships" xmlns:mc="http://schemas.openxmlformats.org/markup-compatibility/2006" xmlns:mv="urn:schemas-microsoft-com:mac:vml" xmlns:p="http://schemas.openxmlformats.org/presentationml/2006/main" xmlns:c="http://schemas.openxmlformats.org/drawingml/2006/chart" xmlns:dgm="http://schemas.openxmlformats.org/drawingml/2006/diagram" xmlns:o="urn:schemas-microsoft-com:office:office" xmlns:v="urn:schemas-microsoft-com:vml" xmlns:pvml="urn:schemas-microsoft-com:office:powerpoint" xmlns:com="http://schemas.openxmlformats.org/drawingml/2006/compatibility" xmlns:p14="http://schemas.microsoft.com/office/powerpoint/2010/main" xmlns:p15="http://schemas.microsoft.com/office/powerpoint/2012/main" xmlns:ahyp="http://schemas.microsoft.com/office/drawing/2018/hyperlinkcolor">
+  <p:cSld>
+    <p:spTree>
+      <p:nvGrpSpPr>
+        <p:cNvPr id="223" name="Shape 223"/>
+        <p:cNvGrpSpPr/>
+        <p:nvPr/>
+      </p:nvGrpSpPr>
+      <p:grpSpPr>
+        <a:xfrm>
+          <a:off x="0" y="0"/>
+          <a:ext cx="0" cy="0"/>
+          <a:chOff x="0" y="0"/>
+          <a:chExt cx="0" cy="0"/>
+        </a:xfrm>
+      </p:grpSpPr>
+      <p:sp>
+        <p:nvSpPr>
+          <p:cNvPr id="224" name="Google Shape;224;p40"/>
+          <p:cNvSpPr txBox="1"/>
+          <p:nvPr>
+            <p:ph type="title"/>
+          </p:nvPr>
+        </p:nvSpPr>
+        <p:spPr>
+          <a:xfrm>
+            <a:off x="311700" y="445025"/>
+            <a:ext cx="8520600" cy="572700"/>
+          </a:xfrm>
+          <a:prstGeom prst="rect">
+            <a:avLst/>
+          </a:prstGeom>
+        </p:spPr>
+        <p:txBody>
+          <a:bodyPr anchorCtr="0" anchor="t" bIns="91425" lIns="91425" spcFirstLastPara="1" rIns="91425" wrap="square" tIns="91425">
+            <a:noAutofit/>
+          </a:bodyPr>
+          <a:lstStyle/>
+          <a:p>
+            <a:pPr indent="0" lvl="0" marL="0" rtl="0" algn="l">
+              <a:spcBef>
+                <a:spcPts val="0"/>
+              </a:spcBef>
+              <a:spcAft>
+                <a:spcPts val="0"/>
+              </a:spcAft>
+              <a:buNone/>
+            </a:pPr>
+            <a:r>
+              <a:rPr lang="zh-TW">
+                <a:solidFill>
+                  <a:srgbClr val="000000"/>
+                </a:solidFill>
+              </a:rPr>
+              <a:t>Reference</a:t>
+            </a:r>
+            <a:endParaRPr>
+              <a:solidFill>
+                <a:srgbClr val="000000"/>
+              </a:solidFill>
+            </a:endParaRPr>
+          </a:p>
+        </p:txBody>
+      </p:sp>
+      <p:sp>
+        <p:nvSpPr>
+          <p:cNvPr id="225" name="Google Shape;225;p40"/>
+          <p:cNvSpPr txBox="1"/>
+          <p:nvPr>
+            <p:ph idx="1" type="body"/>
+          </p:nvPr>
+        </p:nvSpPr>
+        <p:spPr>
+          <a:xfrm>
+            <a:off x="311700" y="1152475"/>
+            <a:ext cx="8520600" cy="3416400"/>
+          </a:xfrm>
+          <a:prstGeom prst="rect">
+            <a:avLst/>
+          </a:prstGeom>
+        </p:spPr>
+        <p:txBody>
+          <a:bodyPr anchorCtr="0" anchor="t" bIns="91425" lIns="91425" spcFirstLastPara="1" rIns="91425" wrap="square" tIns="91425">
+            <a:noAutofit/>
+          </a:bodyPr>
+          <a:lstStyle/>
+          <a:p>
+            <a:pPr indent="0" lvl="0" marL="0" rtl="0" algn="l">
+              <a:spcBef>
+                <a:spcPts val="0"/>
+              </a:spcBef>
+              <a:spcAft>
+                <a:spcPts val="0"/>
+              </a:spcAft>
+              <a:buNone/>
+            </a:pPr>
+            <a:r>
+              <a:rPr lang="zh-TW" sz="1550"/>
+              <a:t>http://os.mbed.com/teams/ST/code/HelloWorld_ST_Sensors/</a:t>
+            </a:r>
+            <a:endParaRPr sz="2200"/>
           </a:p>
         </p:txBody>
       </p:sp>
@@ -17198,10 +17633,18 @@
               <a:buNone/>
             </a:pPr>
             <a:r>
-              <a:rPr lang="zh-TW"/>
+              <a:rPr lang="zh-TW">
+                <a:solidFill>
+                  <a:srgbClr val="000000"/>
+                </a:solidFill>
+              </a:rPr>
               <a:t>Simple Filter</a:t>
             </a:r>
-            <a:endParaRPr/>
+            <a:endParaRPr>
+              <a:solidFill>
+                <a:srgbClr val="000000"/>
+              </a:solidFill>
+            </a:endParaRPr>
           </a:p>
         </p:txBody>
       </p:sp>
@@ -17379,7 +17822,7 @@
             <a:r>
               <a:rPr lang="zh-TW">
                 <a:solidFill>
-                  <a:srgbClr val="B7B7B7"/>
+                  <a:srgbClr val="666666"/>
                 </a:solidFill>
               </a:rPr>
               <a:t>BLE </a:t>
@@ -17387,14 +17830,14 @@
             <a:r>
               <a:rPr lang="zh-TW">
                 <a:solidFill>
-                  <a:srgbClr val="B7B7B7"/>
+                  <a:srgbClr val="666666"/>
                 </a:solidFill>
               </a:rPr>
               <a:t>receiving data</a:t>
             </a:r>
             <a:endParaRPr>
               <a:solidFill>
-                <a:srgbClr val="B7B7B7"/>
+                <a:srgbClr val="666666"/>
               </a:solidFill>
             </a:endParaRPr>
           </a:p>
@@ -17617,14 +18060,14 @@
             <a:r>
               <a:rPr lang="zh-TW">
                 <a:solidFill>
-                  <a:srgbClr val="B7B7B7"/>
+                  <a:srgbClr val="666666"/>
                 </a:solidFill>
               </a:rPr>
               <a:t>web socket</a:t>
             </a:r>
             <a:endParaRPr>
               <a:solidFill>
-                <a:srgbClr val="B7B7B7"/>
+                <a:srgbClr val="666666"/>
               </a:solidFill>
             </a:endParaRPr>
           </a:p>
@@ -17845,10 +18288,18 @@
               <a:buNone/>
             </a:pPr>
             <a:r>
-              <a:rPr lang="zh-TW"/>
+              <a:rPr lang="zh-TW">
+                <a:solidFill>
+                  <a:srgbClr val="666666"/>
+                </a:solidFill>
+              </a:rPr>
               <a:t>judgement of reading_mode</a:t>
             </a:r>
-            <a:endParaRPr/>
+            <a:endParaRPr>
+              <a:solidFill>
+                <a:srgbClr val="666666"/>
+              </a:solidFill>
+            </a:endParaRPr>
           </a:p>
         </p:txBody>
       </p:sp>
